--- a/Мультилаб неделя №8 (03.11)/Python/Занятие 2.pptx
+++ b/Мультилаб неделя №8 (03.11)/Python/Занятие 2.pptx
@@ -5,20 +5,22 @@
     <p:sldMasterId id="2147483648" r:id="rId1"/>
   </p:sldMasterIdLst>
   <p:sldIdLst>
-    <p:sldId id="275" r:id="rId2"/>
-    <p:sldId id="276" r:id="rId3"/>
-    <p:sldId id="277" r:id="rId4"/>
-    <p:sldId id="278" r:id="rId5"/>
-    <p:sldId id="279" r:id="rId6"/>
-    <p:sldId id="280" r:id="rId7"/>
-    <p:sldId id="267" r:id="rId8"/>
-    <p:sldId id="268" r:id="rId9"/>
-    <p:sldId id="269" r:id="rId10"/>
-    <p:sldId id="270" r:id="rId11"/>
-    <p:sldId id="271" r:id="rId12"/>
-    <p:sldId id="272" r:id="rId13"/>
-    <p:sldId id="273" r:id="rId14"/>
-    <p:sldId id="274" r:id="rId15"/>
+    <p:sldId id="281" r:id="rId2"/>
+    <p:sldId id="282" r:id="rId3"/>
+    <p:sldId id="275" r:id="rId4"/>
+    <p:sldId id="276" r:id="rId5"/>
+    <p:sldId id="277" r:id="rId6"/>
+    <p:sldId id="278" r:id="rId7"/>
+    <p:sldId id="279" r:id="rId8"/>
+    <p:sldId id="280" r:id="rId9"/>
+    <p:sldId id="267" r:id="rId10"/>
+    <p:sldId id="268" r:id="rId11"/>
+    <p:sldId id="269" r:id="rId12"/>
+    <p:sldId id="270" r:id="rId13"/>
+    <p:sldId id="271" r:id="rId14"/>
+    <p:sldId id="272" r:id="rId15"/>
+    <p:sldId id="273" r:id="rId16"/>
+    <p:sldId id="274" r:id="rId17"/>
   </p:sldIdLst>
   <p:sldSz cx="12192000" cy="6858000"/>
   <p:notesSz cx="6858000" cy="9144000"/>
@@ -3341,10 +3343,10 @@
       </p:grpSpPr>
       <p:pic>
         <p:nvPicPr>
-          <p:cNvPr id="3" name="Рисунок 2">
-            <a:extLst>
-              <a:ext uri="{FF2B5EF4-FFF2-40B4-BE49-F238E27FC236}">
-                <a16:creationId xmlns:a16="http://schemas.microsoft.com/office/drawing/2014/main" id="{8988FA0D-6937-4D45-A0B3-9E85BE51D708}"/>
+          <p:cNvPr id="2" name="Рисунок 1">
+            <a:extLst>
+              <a:ext uri="{FF2B5EF4-FFF2-40B4-BE49-F238E27FC236}">
+                <a16:creationId xmlns:a16="http://schemas.microsoft.com/office/drawing/2014/main" id="{95C2FCC1-B3EA-4E85-A70D-48676434DD0B}"/>
               </a:ext>
             </a:extLst>
           </p:cNvPr>
@@ -3361,8 +3363,8 @@
         </p:blipFill>
         <p:spPr>
           <a:xfrm>
-            <a:off x="1764090" y="1547416"/>
-            <a:ext cx="9159430" cy="2589578"/>
+            <a:off x="3653682" y="433946"/>
+            <a:ext cx="4884636" cy="5990107"/>
           </a:xfrm>
           <a:prstGeom prst="rect">
             <a:avLst/>
@@ -3372,7 +3374,7 @@
     </p:spTree>
     <p:extLst>
       <p:ext uri="{BB962C8B-B14F-4D97-AF65-F5344CB8AC3E}">
-        <p14:creationId xmlns:p14="http://schemas.microsoft.com/office/powerpoint/2010/main" val="1060585522"/>
+        <p14:creationId xmlns:p14="http://schemas.microsoft.com/office/powerpoint/2010/main" val="3417829814"/>
       </p:ext>
     </p:extLst>
   </p:cSld>
@@ -3383,6 +3385,156 @@
 </file>
 
 <file path=ppt/slides/slide10.xml><?xml version="1.0" encoding="utf-8"?>
+<p:sld xmlns:a="http://schemas.openxmlformats.org/drawingml/2006/main" xmlns:r="http://schemas.openxmlformats.org/officeDocument/2006/relationships" xmlns:p="http://schemas.openxmlformats.org/presentationml/2006/main">
+  <p:cSld>
+    <p:spTree>
+      <p:nvGrpSpPr>
+        <p:cNvPr id="1" name=""/>
+        <p:cNvGrpSpPr/>
+        <p:nvPr/>
+      </p:nvGrpSpPr>
+      <p:grpSpPr>
+        <a:xfrm>
+          <a:off x="0" y="0"/>
+          <a:ext cx="0" cy="0"/>
+          <a:chOff x="0" y="0"/>
+          <a:chExt cx="0" cy="0"/>
+        </a:xfrm>
+      </p:grpSpPr>
+      <p:pic>
+        <p:nvPicPr>
+          <p:cNvPr id="2" name="Рисунок 1">
+            <a:extLst>
+              <a:ext uri="{FF2B5EF4-FFF2-40B4-BE49-F238E27FC236}">
+                <a16:creationId xmlns:a16="http://schemas.microsoft.com/office/drawing/2014/main" id="{A44809B0-8786-482A-9549-92E3BDD8D555}"/>
+              </a:ext>
+            </a:extLst>
+          </p:cNvPr>
+          <p:cNvPicPr>
+            <a:picLocks noChangeAspect="1"/>
+          </p:cNvPicPr>
+          <p:nvPr/>
+        </p:nvPicPr>
+        <p:blipFill>
+          <a:blip r:embed="rId2"/>
+          <a:stretch>
+            <a:fillRect/>
+          </a:stretch>
+        </p:blipFill>
+        <p:spPr>
+          <a:xfrm>
+            <a:off x="1237762" y="434465"/>
+            <a:ext cx="9716476" cy="2388634"/>
+          </a:xfrm>
+          <a:prstGeom prst="rect">
+            <a:avLst/>
+          </a:prstGeom>
+        </p:spPr>
+      </p:pic>
+      <p:pic>
+        <p:nvPicPr>
+          <p:cNvPr id="3" name="Рисунок 2">
+            <a:extLst>
+              <a:ext uri="{FF2B5EF4-FFF2-40B4-BE49-F238E27FC236}">
+                <a16:creationId xmlns:a16="http://schemas.microsoft.com/office/drawing/2014/main" id="{4752AE1B-41DB-443C-9F12-A45FF921443B}"/>
+              </a:ext>
+            </a:extLst>
+          </p:cNvPr>
+          <p:cNvPicPr>
+            <a:picLocks noChangeAspect="1"/>
+          </p:cNvPicPr>
+          <p:nvPr/>
+        </p:nvPicPr>
+        <p:blipFill>
+          <a:blip r:embed="rId3"/>
+          <a:stretch>
+            <a:fillRect/>
+          </a:stretch>
+        </p:blipFill>
+        <p:spPr>
+          <a:xfrm>
+            <a:off x="4301527" y="3778367"/>
+            <a:ext cx="2853874" cy="2214607"/>
+          </a:xfrm>
+          <a:prstGeom prst="rect">
+            <a:avLst/>
+          </a:prstGeom>
+        </p:spPr>
+      </p:pic>
+    </p:spTree>
+    <p:extLst>
+      <p:ext uri="{BB962C8B-B14F-4D97-AF65-F5344CB8AC3E}">
+        <p14:creationId xmlns:p14="http://schemas.microsoft.com/office/powerpoint/2010/main" val="1257875926"/>
+      </p:ext>
+    </p:extLst>
+  </p:cSld>
+  <p:clrMapOvr>
+    <a:masterClrMapping/>
+  </p:clrMapOvr>
+</p:sld>
+</file>
+
+<file path=ppt/slides/slide11.xml><?xml version="1.0" encoding="utf-8"?>
+<p:sld xmlns:a="http://schemas.openxmlformats.org/drawingml/2006/main" xmlns:r="http://schemas.openxmlformats.org/officeDocument/2006/relationships" xmlns:p="http://schemas.openxmlformats.org/presentationml/2006/main">
+  <p:cSld>
+    <p:spTree>
+      <p:nvGrpSpPr>
+        <p:cNvPr id="1" name=""/>
+        <p:cNvGrpSpPr/>
+        <p:nvPr/>
+      </p:nvGrpSpPr>
+      <p:grpSpPr>
+        <a:xfrm>
+          <a:off x="0" y="0"/>
+          <a:ext cx="0" cy="0"/>
+          <a:chOff x="0" y="0"/>
+          <a:chExt cx="0" cy="0"/>
+        </a:xfrm>
+      </p:grpSpPr>
+      <p:pic>
+        <p:nvPicPr>
+          <p:cNvPr id="2" name="Рисунок 1">
+            <a:extLst>
+              <a:ext uri="{FF2B5EF4-FFF2-40B4-BE49-F238E27FC236}">
+                <a16:creationId xmlns:a16="http://schemas.microsoft.com/office/drawing/2014/main" id="{D80C80C2-D2CF-4DA3-9CC3-A649E755E01C}"/>
+              </a:ext>
+            </a:extLst>
+          </p:cNvPr>
+          <p:cNvPicPr>
+            <a:picLocks noChangeAspect="1"/>
+          </p:cNvPicPr>
+          <p:nvPr/>
+        </p:nvPicPr>
+        <p:blipFill>
+          <a:blip r:embed="rId2"/>
+          <a:stretch>
+            <a:fillRect/>
+          </a:stretch>
+        </p:blipFill>
+        <p:spPr>
+          <a:xfrm>
+            <a:off x="2247156" y="493052"/>
+            <a:ext cx="7697687" cy="5271831"/>
+          </a:xfrm>
+          <a:prstGeom prst="rect">
+            <a:avLst/>
+          </a:prstGeom>
+        </p:spPr>
+      </p:pic>
+    </p:spTree>
+    <p:extLst>
+      <p:ext uri="{BB962C8B-B14F-4D97-AF65-F5344CB8AC3E}">
+        <p14:creationId xmlns:p14="http://schemas.microsoft.com/office/powerpoint/2010/main" val="3911092569"/>
+      </p:ext>
+    </p:extLst>
+  </p:cSld>
+  <p:clrMapOvr>
+    <a:masterClrMapping/>
+  </p:clrMapOvr>
+</p:sld>
+</file>
+
+<file path=ppt/slides/slide12.xml><?xml version="1.0" encoding="utf-8"?>
 <p:sld xmlns:a="http://schemas.openxmlformats.org/drawingml/2006/main" xmlns:r="http://schemas.openxmlformats.org/officeDocument/2006/relationships" xmlns:p="http://schemas.openxmlformats.org/presentationml/2006/main">
   <p:cSld>
     <p:spTree>
@@ -3442,7 +3594,7 @@
 </p:sld>
 </file>
 
-<file path=ppt/slides/slide11.xml><?xml version="1.0" encoding="utf-8"?>
+<file path=ppt/slides/slide13.xml><?xml version="1.0" encoding="utf-8"?>
 <p:sld xmlns:a="http://schemas.openxmlformats.org/drawingml/2006/main" xmlns:r="http://schemas.openxmlformats.org/officeDocument/2006/relationships" xmlns:p="http://schemas.openxmlformats.org/presentationml/2006/main">
   <p:cSld>
     <p:spTree>
@@ -3502,7 +3654,7 @@
 </p:sld>
 </file>
 
-<file path=ppt/slides/slide12.xml><?xml version="1.0" encoding="utf-8"?>
+<file path=ppt/slides/slide14.xml><?xml version="1.0" encoding="utf-8"?>
 <p:sld xmlns:a="http://schemas.openxmlformats.org/drawingml/2006/main" xmlns:r="http://schemas.openxmlformats.org/officeDocument/2006/relationships" xmlns:p="http://schemas.openxmlformats.org/presentationml/2006/main">
   <p:cSld>
     <p:spTree>
@@ -3562,7 +3714,7 @@
 </p:sld>
 </file>
 
-<file path=ppt/slides/slide13.xml><?xml version="1.0" encoding="utf-8"?>
+<file path=ppt/slides/slide15.xml><?xml version="1.0" encoding="utf-8"?>
 <p:sld xmlns:a="http://schemas.openxmlformats.org/drawingml/2006/main" xmlns:r="http://schemas.openxmlformats.org/officeDocument/2006/relationships" xmlns:p="http://schemas.openxmlformats.org/presentationml/2006/main">
   <p:cSld>
     <p:spTree>
@@ -3622,7 +3774,7 @@
 </p:sld>
 </file>
 
-<file path=ppt/slides/slide14.xml><?xml version="1.0" encoding="utf-8"?>
+<file path=ppt/slides/slide16.xml><?xml version="1.0" encoding="utf-8"?>
 <p:sld xmlns:a="http://schemas.openxmlformats.org/drawingml/2006/main" xmlns:r="http://schemas.openxmlformats.org/officeDocument/2006/relationships" xmlns:p="http://schemas.openxmlformats.org/presentationml/2006/main">
   <p:cSld>
     <p:spTree>
@@ -3701,6 +3853,126 @@
       </p:grpSpPr>
       <p:pic>
         <p:nvPicPr>
+          <p:cNvPr id="3" name="Рисунок 2">
+            <a:extLst>
+              <a:ext uri="{FF2B5EF4-FFF2-40B4-BE49-F238E27FC236}">
+                <a16:creationId xmlns:a16="http://schemas.microsoft.com/office/drawing/2014/main" id="{4124551E-65EC-43D6-8133-B0B0E8775D5D}"/>
+              </a:ext>
+            </a:extLst>
+          </p:cNvPr>
+          <p:cNvPicPr>
+            <a:picLocks noChangeAspect="1"/>
+          </p:cNvPicPr>
+          <p:nvPr/>
+        </p:nvPicPr>
+        <p:blipFill>
+          <a:blip r:embed="rId2"/>
+          <a:stretch>
+            <a:fillRect/>
+          </a:stretch>
+        </p:blipFill>
+        <p:spPr>
+          <a:xfrm>
+            <a:off x="3411632" y="749958"/>
+            <a:ext cx="5368735" cy="5358083"/>
+          </a:xfrm>
+          <a:prstGeom prst="rect">
+            <a:avLst/>
+          </a:prstGeom>
+        </p:spPr>
+      </p:pic>
+    </p:spTree>
+    <p:extLst>
+      <p:ext uri="{BB962C8B-B14F-4D97-AF65-F5344CB8AC3E}">
+        <p14:creationId xmlns:p14="http://schemas.microsoft.com/office/powerpoint/2010/main" val="2352318001"/>
+      </p:ext>
+    </p:extLst>
+  </p:cSld>
+  <p:clrMapOvr>
+    <a:masterClrMapping/>
+  </p:clrMapOvr>
+</p:sld>
+</file>
+
+<file path=ppt/slides/slide3.xml><?xml version="1.0" encoding="utf-8"?>
+<p:sld xmlns:a="http://schemas.openxmlformats.org/drawingml/2006/main" xmlns:r="http://schemas.openxmlformats.org/officeDocument/2006/relationships" xmlns:p="http://schemas.openxmlformats.org/presentationml/2006/main">
+  <p:cSld>
+    <p:spTree>
+      <p:nvGrpSpPr>
+        <p:cNvPr id="1" name=""/>
+        <p:cNvGrpSpPr/>
+        <p:nvPr/>
+      </p:nvGrpSpPr>
+      <p:grpSpPr>
+        <a:xfrm>
+          <a:off x="0" y="0"/>
+          <a:ext cx="0" cy="0"/>
+          <a:chOff x="0" y="0"/>
+          <a:chExt cx="0" cy="0"/>
+        </a:xfrm>
+      </p:grpSpPr>
+      <p:pic>
+        <p:nvPicPr>
+          <p:cNvPr id="3" name="Рисунок 2">
+            <a:extLst>
+              <a:ext uri="{FF2B5EF4-FFF2-40B4-BE49-F238E27FC236}">
+                <a16:creationId xmlns:a16="http://schemas.microsoft.com/office/drawing/2014/main" id="{8988FA0D-6937-4D45-A0B3-9E85BE51D708}"/>
+              </a:ext>
+            </a:extLst>
+          </p:cNvPr>
+          <p:cNvPicPr>
+            <a:picLocks noChangeAspect="1"/>
+          </p:cNvPicPr>
+          <p:nvPr/>
+        </p:nvPicPr>
+        <p:blipFill>
+          <a:blip r:embed="rId2"/>
+          <a:stretch>
+            <a:fillRect/>
+          </a:stretch>
+        </p:blipFill>
+        <p:spPr>
+          <a:xfrm>
+            <a:off x="1764090" y="1547416"/>
+            <a:ext cx="9159430" cy="2589578"/>
+          </a:xfrm>
+          <a:prstGeom prst="rect">
+            <a:avLst/>
+          </a:prstGeom>
+        </p:spPr>
+      </p:pic>
+    </p:spTree>
+    <p:extLst>
+      <p:ext uri="{BB962C8B-B14F-4D97-AF65-F5344CB8AC3E}">
+        <p14:creationId xmlns:p14="http://schemas.microsoft.com/office/powerpoint/2010/main" val="1060585522"/>
+      </p:ext>
+    </p:extLst>
+  </p:cSld>
+  <p:clrMapOvr>
+    <a:masterClrMapping/>
+  </p:clrMapOvr>
+</p:sld>
+</file>
+
+<file path=ppt/slides/slide4.xml><?xml version="1.0" encoding="utf-8"?>
+<p:sld xmlns:a="http://schemas.openxmlformats.org/drawingml/2006/main" xmlns:r="http://schemas.openxmlformats.org/officeDocument/2006/relationships" xmlns:p="http://schemas.openxmlformats.org/presentationml/2006/main">
+  <p:cSld>
+    <p:spTree>
+      <p:nvGrpSpPr>
+        <p:cNvPr id="1" name=""/>
+        <p:cNvGrpSpPr/>
+        <p:nvPr/>
+      </p:nvGrpSpPr>
+      <p:grpSpPr>
+        <a:xfrm>
+          <a:off x="0" y="0"/>
+          <a:ext cx="0" cy="0"/>
+          <a:chOff x="0" y="0"/>
+          <a:chExt cx="0" cy="0"/>
+        </a:xfrm>
+      </p:grpSpPr>
+      <p:pic>
+        <p:nvPicPr>
           <p:cNvPr id="2" name="Рисунок 1">
             <a:extLst>
               <a:ext uri="{FF2B5EF4-FFF2-40B4-BE49-F238E27FC236}">
@@ -3742,7 +4014,7 @@
 </p:sld>
 </file>
 
-<file path=ppt/slides/slide3.xml><?xml version="1.0" encoding="utf-8"?>
+<file path=ppt/slides/slide5.xml><?xml version="1.0" encoding="utf-8"?>
 <p:sld xmlns:a="http://schemas.openxmlformats.org/drawingml/2006/main" xmlns:r="http://schemas.openxmlformats.org/officeDocument/2006/relationships" xmlns:p="http://schemas.openxmlformats.org/presentationml/2006/main">
   <p:cSld>
     <p:spTree>
@@ -3802,7 +4074,7 @@
 </p:sld>
 </file>
 
-<file path=ppt/slides/slide4.xml><?xml version="1.0" encoding="utf-8"?>
+<file path=ppt/slides/slide6.xml><?xml version="1.0" encoding="utf-8"?>
 <p:sld xmlns:a="http://schemas.openxmlformats.org/drawingml/2006/main" xmlns:r="http://schemas.openxmlformats.org/officeDocument/2006/relationships" xmlns:p="http://schemas.openxmlformats.org/presentationml/2006/main">
   <p:cSld>
     <p:spTree>
@@ -3862,7 +4134,7 @@
 </p:sld>
 </file>
 
-<file path=ppt/slides/slide5.xml><?xml version="1.0" encoding="utf-8"?>
+<file path=ppt/slides/slide7.xml><?xml version="1.0" encoding="utf-8"?>
 <p:sld xmlns:a="http://schemas.openxmlformats.org/drawingml/2006/main" xmlns:r="http://schemas.openxmlformats.org/officeDocument/2006/relationships" xmlns:p="http://schemas.openxmlformats.org/presentationml/2006/main">
   <p:cSld>
     <p:spTree>
@@ -3922,7 +4194,7 @@
 </p:sld>
 </file>
 
-<file path=ppt/slides/slide6.xml><?xml version="1.0" encoding="utf-8"?>
+<file path=ppt/slides/slide8.xml><?xml version="1.0" encoding="utf-8"?>
 <p:sld xmlns:a="http://schemas.openxmlformats.org/drawingml/2006/main" xmlns:r="http://schemas.openxmlformats.org/officeDocument/2006/relationships" xmlns:p="http://schemas.openxmlformats.org/presentationml/2006/main">
   <p:cSld>
     <p:spTree>
@@ -3982,7 +4254,7 @@
 </p:sld>
 </file>
 
-<file path=ppt/slides/slide7.xml><?xml version="1.0" encoding="utf-8"?>
+<file path=ppt/slides/slide9.xml><?xml version="1.0" encoding="utf-8"?>
 <p:sld xmlns:a="http://schemas.openxmlformats.org/drawingml/2006/main" xmlns:r="http://schemas.openxmlformats.org/officeDocument/2006/relationships" xmlns:p="http://schemas.openxmlformats.org/presentationml/2006/main">
   <p:cSld>
     <p:spTree>
@@ -4033,156 +4305,6 @@
     <p:extLst>
       <p:ext uri="{BB962C8B-B14F-4D97-AF65-F5344CB8AC3E}">
         <p14:creationId xmlns:p14="http://schemas.microsoft.com/office/powerpoint/2010/main" val="1303267193"/>
-      </p:ext>
-    </p:extLst>
-  </p:cSld>
-  <p:clrMapOvr>
-    <a:masterClrMapping/>
-  </p:clrMapOvr>
-</p:sld>
-</file>
-
-<file path=ppt/slides/slide8.xml><?xml version="1.0" encoding="utf-8"?>
-<p:sld xmlns:a="http://schemas.openxmlformats.org/drawingml/2006/main" xmlns:r="http://schemas.openxmlformats.org/officeDocument/2006/relationships" xmlns:p="http://schemas.openxmlformats.org/presentationml/2006/main">
-  <p:cSld>
-    <p:spTree>
-      <p:nvGrpSpPr>
-        <p:cNvPr id="1" name=""/>
-        <p:cNvGrpSpPr/>
-        <p:nvPr/>
-      </p:nvGrpSpPr>
-      <p:grpSpPr>
-        <a:xfrm>
-          <a:off x="0" y="0"/>
-          <a:ext cx="0" cy="0"/>
-          <a:chOff x="0" y="0"/>
-          <a:chExt cx="0" cy="0"/>
-        </a:xfrm>
-      </p:grpSpPr>
-      <p:pic>
-        <p:nvPicPr>
-          <p:cNvPr id="2" name="Рисунок 1">
-            <a:extLst>
-              <a:ext uri="{FF2B5EF4-FFF2-40B4-BE49-F238E27FC236}">
-                <a16:creationId xmlns:a16="http://schemas.microsoft.com/office/drawing/2014/main" id="{A44809B0-8786-482A-9549-92E3BDD8D555}"/>
-              </a:ext>
-            </a:extLst>
-          </p:cNvPr>
-          <p:cNvPicPr>
-            <a:picLocks noChangeAspect="1"/>
-          </p:cNvPicPr>
-          <p:nvPr/>
-        </p:nvPicPr>
-        <p:blipFill>
-          <a:blip r:embed="rId2"/>
-          <a:stretch>
-            <a:fillRect/>
-          </a:stretch>
-        </p:blipFill>
-        <p:spPr>
-          <a:xfrm>
-            <a:off x="1237762" y="434465"/>
-            <a:ext cx="9716476" cy="2388634"/>
-          </a:xfrm>
-          <a:prstGeom prst="rect">
-            <a:avLst/>
-          </a:prstGeom>
-        </p:spPr>
-      </p:pic>
-      <p:pic>
-        <p:nvPicPr>
-          <p:cNvPr id="3" name="Рисунок 2">
-            <a:extLst>
-              <a:ext uri="{FF2B5EF4-FFF2-40B4-BE49-F238E27FC236}">
-                <a16:creationId xmlns:a16="http://schemas.microsoft.com/office/drawing/2014/main" id="{4752AE1B-41DB-443C-9F12-A45FF921443B}"/>
-              </a:ext>
-            </a:extLst>
-          </p:cNvPr>
-          <p:cNvPicPr>
-            <a:picLocks noChangeAspect="1"/>
-          </p:cNvPicPr>
-          <p:nvPr/>
-        </p:nvPicPr>
-        <p:blipFill>
-          <a:blip r:embed="rId3"/>
-          <a:stretch>
-            <a:fillRect/>
-          </a:stretch>
-        </p:blipFill>
-        <p:spPr>
-          <a:xfrm>
-            <a:off x="4301527" y="3778367"/>
-            <a:ext cx="2853874" cy="2214607"/>
-          </a:xfrm>
-          <a:prstGeom prst="rect">
-            <a:avLst/>
-          </a:prstGeom>
-        </p:spPr>
-      </p:pic>
-    </p:spTree>
-    <p:extLst>
-      <p:ext uri="{BB962C8B-B14F-4D97-AF65-F5344CB8AC3E}">
-        <p14:creationId xmlns:p14="http://schemas.microsoft.com/office/powerpoint/2010/main" val="1257875926"/>
-      </p:ext>
-    </p:extLst>
-  </p:cSld>
-  <p:clrMapOvr>
-    <a:masterClrMapping/>
-  </p:clrMapOvr>
-</p:sld>
-</file>
-
-<file path=ppt/slides/slide9.xml><?xml version="1.0" encoding="utf-8"?>
-<p:sld xmlns:a="http://schemas.openxmlformats.org/drawingml/2006/main" xmlns:r="http://schemas.openxmlformats.org/officeDocument/2006/relationships" xmlns:p="http://schemas.openxmlformats.org/presentationml/2006/main">
-  <p:cSld>
-    <p:spTree>
-      <p:nvGrpSpPr>
-        <p:cNvPr id="1" name=""/>
-        <p:cNvGrpSpPr/>
-        <p:nvPr/>
-      </p:nvGrpSpPr>
-      <p:grpSpPr>
-        <a:xfrm>
-          <a:off x="0" y="0"/>
-          <a:ext cx="0" cy="0"/>
-          <a:chOff x="0" y="0"/>
-          <a:chExt cx="0" cy="0"/>
-        </a:xfrm>
-      </p:grpSpPr>
-      <p:pic>
-        <p:nvPicPr>
-          <p:cNvPr id="2" name="Рисунок 1">
-            <a:extLst>
-              <a:ext uri="{FF2B5EF4-FFF2-40B4-BE49-F238E27FC236}">
-                <a16:creationId xmlns:a16="http://schemas.microsoft.com/office/drawing/2014/main" id="{D80C80C2-D2CF-4DA3-9CC3-A649E755E01C}"/>
-              </a:ext>
-            </a:extLst>
-          </p:cNvPr>
-          <p:cNvPicPr>
-            <a:picLocks noChangeAspect="1"/>
-          </p:cNvPicPr>
-          <p:nvPr/>
-        </p:nvPicPr>
-        <p:blipFill>
-          <a:blip r:embed="rId2"/>
-          <a:stretch>
-            <a:fillRect/>
-          </a:stretch>
-        </p:blipFill>
-        <p:spPr>
-          <a:xfrm>
-            <a:off x="2247156" y="493052"/>
-            <a:ext cx="7697687" cy="5271831"/>
-          </a:xfrm>
-          <a:prstGeom prst="rect">
-            <a:avLst/>
-          </a:prstGeom>
-        </p:spPr>
-      </p:pic>
-    </p:spTree>
-    <p:extLst>
-      <p:ext uri="{BB962C8B-B14F-4D97-AF65-F5344CB8AC3E}">
-        <p14:creationId xmlns:p14="http://schemas.microsoft.com/office/powerpoint/2010/main" val="3911092569"/>
       </p:ext>
     </p:extLst>
   </p:cSld>
